--- a/Anime Rank.pptx
+++ b/Anime Rank.pptx
@@ -210,7 +210,7 @@
           <a:p>
             <a:fld id="{A9F313E7-B100-49D3-B164-D60925348037}" type="datetimeFigureOut">
               <a:rPr lang="en-US" smtClean="0"/>
-              <a:t>11/13/2023</a:t>
+              <a:t>11/18/2023</a:t>
             </a:fld>
             <a:endParaRPr lang="en-US"/>
           </a:p>
@@ -935,7 +935,7 @@
           <a:p>
             <a:fld id="{B20D01C1-04BE-4996-AB3B-C87F51C2A1D7}" type="datetimeFigureOut">
               <a:rPr lang="en-US" smtClean="0"/>
-              <a:t>11/13/2023</a:t>
+              <a:t>11/18/2023</a:t>
             </a:fld>
             <a:endParaRPr lang="en-US"/>
           </a:p>
@@ -1103,7 +1103,7 @@
           <a:p>
             <a:fld id="{B20D01C1-04BE-4996-AB3B-C87F51C2A1D7}" type="datetimeFigureOut">
               <a:rPr lang="en-US" smtClean="0"/>
-              <a:t>11/13/2023</a:t>
+              <a:t>11/18/2023</a:t>
             </a:fld>
             <a:endParaRPr lang="en-US"/>
           </a:p>
@@ -1281,7 +1281,7 @@
           <a:p>
             <a:fld id="{B20D01C1-04BE-4996-AB3B-C87F51C2A1D7}" type="datetimeFigureOut">
               <a:rPr lang="en-US" smtClean="0"/>
-              <a:t>11/13/2023</a:t>
+              <a:t>11/18/2023</a:t>
             </a:fld>
             <a:endParaRPr lang="en-US"/>
           </a:p>
@@ -1541,7 +1541,7 @@
           <a:p>
             <a:fld id="{B20D01C1-04BE-4996-AB3B-C87F51C2A1D7}" type="datetimeFigureOut">
               <a:rPr lang="en-US" smtClean="0"/>
-              <a:t>11/13/2023</a:t>
+              <a:t>11/18/2023</a:t>
             </a:fld>
             <a:endParaRPr lang="en-US"/>
           </a:p>
@@ -1786,7 +1786,7 @@
           <a:p>
             <a:fld id="{B20D01C1-04BE-4996-AB3B-C87F51C2A1D7}" type="datetimeFigureOut">
               <a:rPr lang="en-US" smtClean="0"/>
-              <a:t>11/13/2023</a:t>
+              <a:t>11/18/2023</a:t>
             </a:fld>
             <a:endParaRPr lang="en-US"/>
           </a:p>
@@ -2071,7 +2071,7 @@
           <a:p>
             <a:fld id="{B20D01C1-04BE-4996-AB3B-C87F51C2A1D7}" type="datetimeFigureOut">
               <a:rPr lang="en-US" smtClean="0"/>
-              <a:t>11/13/2023</a:t>
+              <a:t>11/18/2023</a:t>
             </a:fld>
             <a:endParaRPr lang="en-US"/>
           </a:p>
@@ -2490,7 +2490,7 @@
           <a:p>
             <a:fld id="{B20D01C1-04BE-4996-AB3B-C87F51C2A1D7}" type="datetimeFigureOut">
               <a:rPr lang="en-US" smtClean="0"/>
-              <a:t>11/13/2023</a:t>
+              <a:t>11/18/2023</a:t>
             </a:fld>
             <a:endParaRPr lang="en-US"/>
           </a:p>
@@ -2625,7 +2625,7 @@
           <a:p>
             <a:fld id="{B20D01C1-04BE-4996-AB3B-C87F51C2A1D7}" type="datetimeFigureOut">
               <a:rPr lang="en-US" smtClean="0"/>
-              <a:t>11/13/2023</a:t>
+              <a:t>11/18/2023</a:t>
             </a:fld>
             <a:endParaRPr lang="en-US"/>
           </a:p>
@@ -2720,7 +2720,7 @@
           <a:p>
             <a:fld id="{B20D01C1-04BE-4996-AB3B-C87F51C2A1D7}" type="datetimeFigureOut">
               <a:rPr lang="en-US" smtClean="0"/>
-              <a:t>11/13/2023</a:t>
+              <a:t>11/18/2023</a:t>
             </a:fld>
             <a:endParaRPr lang="en-US"/>
           </a:p>
@@ -2995,7 +2995,7 @@
           <a:p>
             <a:fld id="{B20D01C1-04BE-4996-AB3B-C87F51C2A1D7}" type="datetimeFigureOut">
               <a:rPr lang="en-US" smtClean="0"/>
-              <a:t>11/13/2023</a:t>
+              <a:t>11/18/2023</a:t>
             </a:fld>
             <a:endParaRPr lang="en-US"/>
           </a:p>
@@ -3250,7 +3250,7 @@
           <a:p>
             <a:fld id="{B20D01C1-04BE-4996-AB3B-C87F51C2A1D7}" type="datetimeFigureOut">
               <a:rPr lang="en-US" smtClean="0"/>
-              <a:t>11/13/2023</a:t>
+              <a:t>11/18/2023</a:t>
             </a:fld>
             <a:endParaRPr lang="en-US"/>
           </a:p>
@@ -3461,7 +3461,7 @@
           <a:p>
             <a:fld id="{B20D01C1-04BE-4996-AB3B-C87F51C2A1D7}" type="datetimeFigureOut">
               <a:rPr lang="en-US" smtClean="0"/>
-              <a:t>11/13/2023</a:t>
+              <a:t>11/18/2023</a:t>
             </a:fld>
             <a:endParaRPr lang="en-US"/>
           </a:p>
@@ -8713,12 +8713,15 @@
           <a:bodyPr rtlCol="0" anchor="ctr"/>
           <a:lstStyle/>
           <a:p>
-            <a:pPr algn="ctr"/>
-            <a:endParaRPr lang="en-US" sz="1600">
-              <a:solidFill>
-                <a:schemeClr val="tx1"/>
-              </a:solidFill>
-            </a:endParaRPr>
+            <a:r>
+              <a:rPr lang="en-US" sz="1200" dirty="0">
+                <a:solidFill>
+                  <a:schemeClr val="tx1"/>
+                </a:solidFill>
+                <a:latin typeface="Consolas" panose="020B0609020204030204" pitchFamily="49" charset="0"/>
+              </a:rPr>
+              <a:t>Hell’s Paradise</a:t>
+            </a:r>
           </a:p>
         </p:txBody>
       </p:sp>
@@ -10925,7 +10928,7 @@
                 </a:solidFill>
                 <a:latin typeface="Consolas" panose="020B0609020204030204" pitchFamily="49" charset="0"/>
               </a:rPr>
-              <a:t> </a:t>
+              <a:t> (31) </a:t>
             </a:r>
           </a:p>
           <a:p>
@@ -11118,7 +11121,7 @@
           <a:lstStyle/>
           <a:p>
             <a:r>
-              <a:rPr lang="en-US" sz="1200" dirty="0">
+              <a:rPr lang="en-US" sz="1150" b="1" dirty="0">
                 <a:solidFill>
                   <a:schemeClr val="bg2">
                     <a:lumMod val="10000"/>
@@ -11127,9 +11130,9 @@
                 <a:effectLst/>
                 <a:latin typeface="Consolas" panose="020B0609020204030204" pitchFamily="49" charset="0"/>
               </a:rPr>
-              <a:t>Hell’s Paradise</a:t>
-            </a:r>
-            <a:endParaRPr lang="en-US" sz="1200" dirty="0">
+              <a:t>Hell’s Paradise (41)</a:t>
+            </a:r>
+            <a:endParaRPr lang="en-US" sz="1150" b="1" dirty="0">
               <a:solidFill>
                 <a:schemeClr val="tx1"/>
               </a:solidFill>
@@ -13129,11 +13132,20 @@
           <a:bodyPr rtlCol="0" anchor="ctr"/>
           <a:lstStyle/>
           <a:p>
-            <a:pPr algn="ctr"/>
-            <a:endParaRPr lang="en-US" sz="1600" dirty="0">
+            <a:r>
+              <a:rPr lang="en-US" sz="1200" dirty="0" err="1">
+                <a:solidFill>
+                  <a:schemeClr val="tx1"/>
+                </a:solidFill>
+                <a:latin typeface="Consolas" panose="020B0609020204030204" pitchFamily="49" charset="0"/>
+              </a:rPr>
+              <a:t>Tonikawa</a:t>
+            </a:r>
+            <a:endParaRPr lang="en-US" sz="1200" dirty="0">
               <a:solidFill>
                 <a:schemeClr val="tx1"/>
               </a:solidFill>
+              <a:latin typeface="Consolas" panose="020B0609020204030204" pitchFamily="49" charset="0"/>
             </a:endParaRPr>
           </a:p>
         </p:txBody>
@@ -13152,7 +13164,7 @@
         </p:nvSpPr>
         <p:spPr>
           <a:xfrm>
-            <a:off x="6771193" y="1053392"/>
+            <a:off x="6771193" y="1060991"/>
             <a:ext cx="1836738" cy="342900"/>
           </a:xfrm>
           <a:prstGeom prst="roundRect">
@@ -13443,7 +13455,7 @@
         <p:spPr>
           <a:xfrm flipV="1">
             <a:off x="8607931" y="763038"/>
-            <a:ext cx="320844" cy="461804"/>
+            <a:ext cx="320844" cy="469403"/>
           </a:xfrm>
           <a:prstGeom prst="bentConnector3">
             <a:avLst>

--- a/Anime Rank.pptx
+++ b/Anime Rank.pptx
@@ -210,7 +210,7 @@
           <a:p>
             <a:fld id="{A9F313E7-B100-49D3-B164-D60925348037}" type="datetimeFigureOut">
               <a:rPr lang="en-US" smtClean="0"/>
-              <a:t>11/18/2023</a:t>
+              <a:t>11/24/2023</a:t>
             </a:fld>
             <a:endParaRPr lang="en-US"/>
           </a:p>
@@ -935,7 +935,7 @@
           <a:p>
             <a:fld id="{B20D01C1-04BE-4996-AB3B-C87F51C2A1D7}" type="datetimeFigureOut">
               <a:rPr lang="en-US" smtClean="0"/>
-              <a:t>11/18/2023</a:t>
+              <a:t>11/24/2023</a:t>
             </a:fld>
             <a:endParaRPr lang="en-US"/>
           </a:p>
@@ -1103,7 +1103,7 @@
           <a:p>
             <a:fld id="{B20D01C1-04BE-4996-AB3B-C87F51C2A1D7}" type="datetimeFigureOut">
               <a:rPr lang="en-US" smtClean="0"/>
-              <a:t>11/18/2023</a:t>
+              <a:t>11/24/2023</a:t>
             </a:fld>
             <a:endParaRPr lang="en-US"/>
           </a:p>
@@ -1281,7 +1281,7 @@
           <a:p>
             <a:fld id="{B20D01C1-04BE-4996-AB3B-C87F51C2A1D7}" type="datetimeFigureOut">
               <a:rPr lang="en-US" smtClean="0"/>
-              <a:t>11/18/2023</a:t>
+              <a:t>11/24/2023</a:t>
             </a:fld>
             <a:endParaRPr lang="en-US"/>
           </a:p>
@@ -1541,7 +1541,7 @@
           <a:p>
             <a:fld id="{B20D01C1-04BE-4996-AB3B-C87F51C2A1D7}" type="datetimeFigureOut">
               <a:rPr lang="en-US" smtClean="0"/>
-              <a:t>11/18/2023</a:t>
+              <a:t>11/24/2023</a:t>
             </a:fld>
             <a:endParaRPr lang="en-US"/>
           </a:p>
@@ -1786,7 +1786,7 @@
           <a:p>
             <a:fld id="{B20D01C1-04BE-4996-AB3B-C87F51C2A1D7}" type="datetimeFigureOut">
               <a:rPr lang="en-US" smtClean="0"/>
-              <a:t>11/18/2023</a:t>
+              <a:t>11/24/2023</a:t>
             </a:fld>
             <a:endParaRPr lang="en-US"/>
           </a:p>
@@ -2071,7 +2071,7 @@
           <a:p>
             <a:fld id="{B20D01C1-04BE-4996-AB3B-C87F51C2A1D7}" type="datetimeFigureOut">
               <a:rPr lang="en-US" smtClean="0"/>
-              <a:t>11/18/2023</a:t>
+              <a:t>11/24/2023</a:t>
             </a:fld>
             <a:endParaRPr lang="en-US"/>
           </a:p>
@@ -2490,7 +2490,7 @@
           <a:p>
             <a:fld id="{B20D01C1-04BE-4996-AB3B-C87F51C2A1D7}" type="datetimeFigureOut">
               <a:rPr lang="en-US" smtClean="0"/>
-              <a:t>11/18/2023</a:t>
+              <a:t>11/24/2023</a:t>
             </a:fld>
             <a:endParaRPr lang="en-US"/>
           </a:p>
@@ -2625,7 +2625,7 @@
           <a:p>
             <a:fld id="{B20D01C1-04BE-4996-AB3B-C87F51C2A1D7}" type="datetimeFigureOut">
               <a:rPr lang="en-US" smtClean="0"/>
-              <a:t>11/18/2023</a:t>
+              <a:t>11/24/2023</a:t>
             </a:fld>
             <a:endParaRPr lang="en-US"/>
           </a:p>
@@ -2720,7 +2720,7 @@
           <a:p>
             <a:fld id="{B20D01C1-04BE-4996-AB3B-C87F51C2A1D7}" type="datetimeFigureOut">
               <a:rPr lang="en-US" smtClean="0"/>
-              <a:t>11/18/2023</a:t>
+              <a:t>11/24/2023</a:t>
             </a:fld>
             <a:endParaRPr lang="en-US"/>
           </a:p>
@@ -2995,7 +2995,7 @@
           <a:p>
             <a:fld id="{B20D01C1-04BE-4996-AB3B-C87F51C2A1D7}" type="datetimeFigureOut">
               <a:rPr lang="en-US" smtClean="0"/>
-              <a:t>11/18/2023</a:t>
+              <a:t>11/24/2023</a:t>
             </a:fld>
             <a:endParaRPr lang="en-US"/>
           </a:p>
@@ -3250,7 +3250,7 @@
           <a:p>
             <a:fld id="{B20D01C1-04BE-4996-AB3B-C87F51C2A1D7}" type="datetimeFigureOut">
               <a:rPr lang="en-US" smtClean="0"/>
-              <a:t>11/18/2023</a:t>
+              <a:t>11/24/2023</a:t>
             </a:fld>
             <a:endParaRPr lang="en-US"/>
           </a:p>
@@ -3461,7 +3461,7 @@
           <a:p>
             <a:fld id="{B20D01C1-04BE-4996-AB3B-C87F51C2A1D7}" type="datetimeFigureOut">
               <a:rPr lang="en-US" smtClean="0"/>
-              <a:t>11/18/2023</a:t>
+              <a:t>11/24/2023</a:t>
             </a:fld>
             <a:endParaRPr lang="en-US"/>
           </a:p>
@@ -8714,7 +8714,7 @@
           <a:lstStyle/>
           <a:p>
             <a:r>
-              <a:rPr lang="en-US" sz="1200" dirty="0">
+              <a:rPr lang="en-US" sz="1270" dirty="0">
                 <a:solidFill>
                   <a:schemeClr val="tx1"/>
                 </a:solidFill>
@@ -8774,12 +8774,15 @@
           <a:bodyPr rtlCol="0" anchor="ctr"/>
           <a:lstStyle/>
           <a:p>
-            <a:pPr algn="ctr"/>
-            <a:endParaRPr lang="en-US" sz="1600">
-              <a:solidFill>
-                <a:schemeClr val="tx1"/>
-              </a:solidFill>
-            </a:endParaRPr>
+            <a:r>
+              <a:rPr lang="en-US" sz="1300" dirty="0">
+                <a:solidFill>
+                  <a:schemeClr val="tx1"/>
+                </a:solidFill>
+                <a:latin typeface="Consolas" panose="020B0609020204030204" pitchFamily="49" charset="0"/>
+              </a:rPr>
+              <a:t>Kuma</a:t>
+            </a:r>
           </a:p>
         </p:txBody>
       </p:sp>
@@ -11005,7 +11008,7 @@
                 </a:solidFill>
                 <a:latin typeface="Consolas" panose="020B0609020204030204" pitchFamily="49" charset="0"/>
               </a:rPr>
-              <a:t> no ko</a:t>
+              <a:t> no ko (30)</a:t>
             </a:r>
           </a:p>
         </p:txBody>
@@ -11060,13 +11063,13 @@
           <a:lstStyle/>
           <a:p>
             <a:r>
-              <a:rPr lang="en-US" sz="1200" dirty="0">
+              <a:rPr lang="en-US" sz="1200" b="1" dirty="0">
                 <a:solidFill>
                   <a:schemeClr val="tx1"/>
                 </a:solidFill>
                 <a:latin typeface="Consolas" panose="020B0609020204030204" pitchFamily="49" charset="0"/>
               </a:rPr>
-              <a:t>Kuma</a:t>
+              <a:t>Kuma (52)</a:t>
             </a:r>
           </a:p>
         </p:txBody>
@@ -12916,7 +12919,11 @@
           <a:p>
             <a:pPr algn="ctr"/>
             <a:r>
-              <a:rPr lang="en-US" sz="1400" b="1" dirty="0"/>
+              <a:rPr lang="en-US" sz="1400" b="1" dirty="0">
+                <a:solidFill>
+                  <a:srgbClr val="FFC000"/>
+                </a:solidFill>
+              </a:rPr>
               <a:t>FINAL GAME</a:t>
             </a:r>
           </a:p>
@@ -13199,12 +13206,22 @@
           <a:bodyPr rtlCol="0" anchor="ctr"/>
           <a:lstStyle/>
           <a:p>
-            <a:pPr algn="ctr"/>
-            <a:endParaRPr lang="en-US" sz="1600">
-              <a:solidFill>
-                <a:schemeClr val="tx1"/>
-              </a:solidFill>
-            </a:endParaRPr>
+            <a:r>
+              <a:rPr lang="en-US" sz="1300" dirty="0" err="1">
+                <a:solidFill>
+                  <a:schemeClr val="tx1"/>
+                </a:solidFill>
+              </a:rPr>
+              <a:t>Oshi</a:t>
+            </a:r>
+            <a:r>
+              <a:rPr lang="en-US" sz="1300" dirty="0">
+                <a:solidFill>
+                  <a:schemeClr val="tx1"/>
+                </a:solidFill>
+              </a:rPr>
+              <a:t> no ko</a:t>
+            </a:r>
           </a:p>
         </p:txBody>
       </p:sp>

--- a/Anime Rank.pptx
+++ b/Anime Rank.pptx
@@ -210,7 +210,7 @@
           <a:p>
             <a:fld id="{A9F313E7-B100-49D3-B164-D60925348037}" type="datetimeFigureOut">
               <a:rPr lang="en-US" smtClean="0"/>
-              <a:t>11/24/2023</a:t>
+              <a:t>12/1/2023</a:t>
             </a:fld>
             <a:endParaRPr lang="en-US"/>
           </a:p>
@@ -935,7 +935,7 @@
           <a:p>
             <a:fld id="{B20D01C1-04BE-4996-AB3B-C87F51C2A1D7}" type="datetimeFigureOut">
               <a:rPr lang="en-US" smtClean="0"/>
-              <a:t>11/24/2023</a:t>
+              <a:t>12/1/2023</a:t>
             </a:fld>
             <a:endParaRPr lang="en-US"/>
           </a:p>
@@ -1103,7 +1103,7 @@
           <a:p>
             <a:fld id="{B20D01C1-04BE-4996-AB3B-C87F51C2A1D7}" type="datetimeFigureOut">
               <a:rPr lang="en-US" smtClean="0"/>
-              <a:t>11/24/2023</a:t>
+              <a:t>12/1/2023</a:t>
             </a:fld>
             <a:endParaRPr lang="en-US"/>
           </a:p>
@@ -1281,7 +1281,7 @@
           <a:p>
             <a:fld id="{B20D01C1-04BE-4996-AB3B-C87F51C2A1D7}" type="datetimeFigureOut">
               <a:rPr lang="en-US" smtClean="0"/>
-              <a:t>11/24/2023</a:t>
+              <a:t>12/1/2023</a:t>
             </a:fld>
             <a:endParaRPr lang="en-US"/>
           </a:p>
@@ -1541,7 +1541,7 @@
           <a:p>
             <a:fld id="{B20D01C1-04BE-4996-AB3B-C87F51C2A1D7}" type="datetimeFigureOut">
               <a:rPr lang="en-US" smtClean="0"/>
-              <a:t>11/24/2023</a:t>
+              <a:t>12/1/2023</a:t>
             </a:fld>
             <a:endParaRPr lang="en-US"/>
           </a:p>
@@ -1786,7 +1786,7 @@
           <a:p>
             <a:fld id="{B20D01C1-04BE-4996-AB3B-C87F51C2A1D7}" type="datetimeFigureOut">
               <a:rPr lang="en-US" smtClean="0"/>
-              <a:t>11/24/2023</a:t>
+              <a:t>12/1/2023</a:t>
             </a:fld>
             <a:endParaRPr lang="en-US"/>
           </a:p>
@@ -2071,7 +2071,7 @@
           <a:p>
             <a:fld id="{B20D01C1-04BE-4996-AB3B-C87F51C2A1D7}" type="datetimeFigureOut">
               <a:rPr lang="en-US" smtClean="0"/>
-              <a:t>11/24/2023</a:t>
+              <a:t>12/1/2023</a:t>
             </a:fld>
             <a:endParaRPr lang="en-US"/>
           </a:p>
@@ -2490,7 +2490,7 @@
           <a:p>
             <a:fld id="{B20D01C1-04BE-4996-AB3B-C87F51C2A1D7}" type="datetimeFigureOut">
               <a:rPr lang="en-US" smtClean="0"/>
-              <a:t>11/24/2023</a:t>
+              <a:t>12/1/2023</a:t>
             </a:fld>
             <a:endParaRPr lang="en-US"/>
           </a:p>
@@ -2625,7 +2625,7 @@
           <a:p>
             <a:fld id="{B20D01C1-04BE-4996-AB3B-C87F51C2A1D7}" type="datetimeFigureOut">
               <a:rPr lang="en-US" smtClean="0"/>
-              <a:t>11/24/2023</a:t>
+              <a:t>12/1/2023</a:t>
             </a:fld>
             <a:endParaRPr lang="en-US"/>
           </a:p>
@@ -2720,7 +2720,7 @@
           <a:p>
             <a:fld id="{B20D01C1-04BE-4996-AB3B-C87F51C2A1D7}" type="datetimeFigureOut">
               <a:rPr lang="en-US" smtClean="0"/>
-              <a:t>11/24/2023</a:t>
+              <a:t>12/1/2023</a:t>
             </a:fld>
             <a:endParaRPr lang="en-US"/>
           </a:p>
@@ -2995,7 +2995,7 @@
           <a:p>
             <a:fld id="{B20D01C1-04BE-4996-AB3B-C87F51C2A1D7}" type="datetimeFigureOut">
               <a:rPr lang="en-US" smtClean="0"/>
-              <a:t>11/24/2023</a:t>
+              <a:t>12/1/2023</a:t>
             </a:fld>
             <a:endParaRPr lang="en-US"/>
           </a:p>
@@ -3250,7 +3250,7 @@
           <a:p>
             <a:fld id="{B20D01C1-04BE-4996-AB3B-C87F51C2A1D7}" type="datetimeFigureOut">
               <a:rPr lang="en-US" smtClean="0"/>
-              <a:t>11/24/2023</a:t>
+              <a:t>12/1/2023</a:t>
             </a:fld>
             <a:endParaRPr lang="en-US"/>
           </a:p>
@@ -3461,7 +3461,7 @@
           <a:p>
             <a:fld id="{B20D01C1-04BE-4996-AB3B-C87F51C2A1D7}" type="datetimeFigureOut">
               <a:rPr lang="en-US" smtClean="0"/>
-              <a:t>11/24/2023</a:t>
+              <a:t>12/1/2023</a:t>
             </a:fld>
             <a:endParaRPr lang="en-US"/>
           </a:p>
@@ -13140,7 +13140,7 @@
           <a:lstStyle/>
           <a:p>
             <a:r>
-              <a:rPr lang="en-US" sz="1200" dirty="0" err="1">
+              <a:rPr lang="en-US" sz="1200" b="1" dirty="0" err="1">
                 <a:solidFill>
                   <a:schemeClr val="tx1"/>
                 </a:solidFill>
@@ -13148,12 +13148,15 @@
               </a:rPr>
               <a:t>Tonikawa</a:t>
             </a:r>
-            <a:endParaRPr lang="en-US" sz="1200" dirty="0">
-              <a:solidFill>
-                <a:schemeClr val="tx1"/>
-              </a:solidFill>
-              <a:latin typeface="Consolas" panose="020B0609020204030204" pitchFamily="49" charset="0"/>
-            </a:endParaRPr>
+            <a:r>
+              <a:rPr lang="en-US" sz="1200" b="1" dirty="0">
+                <a:solidFill>
+                  <a:schemeClr val="tx1"/>
+                </a:solidFill>
+                <a:latin typeface="Consolas" panose="020B0609020204030204" pitchFamily="49" charset="0"/>
+              </a:rPr>
+              <a:t> (53)</a:t>
+            </a:r>
           </a:p>
         </p:txBody>
       </p:sp>
@@ -13220,7 +13223,7 @@
                   <a:schemeClr val="tx1"/>
                 </a:solidFill>
               </a:rPr>
-              <a:t> no ko</a:t>
+              <a:t> no ko (19)</a:t>
             </a:r>
           </a:p>
         </p:txBody>
@@ -13276,10 +13279,20 @@
           <a:lstStyle/>
           <a:p>
             <a:pPr algn="ctr"/>
-            <a:endParaRPr lang="en-US" sz="1600" dirty="0">
+            <a:r>
+              <a:rPr lang="en-US" sz="1600" b="1" dirty="0" err="1">
+                <a:solidFill>
+                  <a:schemeClr val="tx1"/>
+                </a:solidFill>
+                <a:latin typeface="Arial Black" panose="020B0A04020102020204" pitchFamily="34" charset="0"/>
+              </a:rPr>
+              <a:t>Tonikawa</a:t>
+            </a:r>
+            <a:endParaRPr lang="en-US" sz="1600" b="1" dirty="0">
               <a:solidFill>
                 <a:schemeClr val="tx1"/>
               </a:solidFill>
+              <a:latin typeface="Arial Black" panose="020B0A04020102020204" pitchFamily="34" charset="0"/>
             </a:endParaRPr>
           </a:p>
         </p:txBody>
@@ -13397,7 +13410,11 @@
           <a:p>
             <a:pPr algn="ctr"/>
             <a:r>
-              <a:rPr lang="en-US" sz="1400" b="1" dirty="0"/>
+              <a:rPr lang="en-US" sz="1400" b="1" dirty="0">
+                <a:solidFill>
+                  <a:srgbClr val="D729CB"/>
+                </a:solidFill>
+              </a:rPr>
               <a:t>WINNER</a:t>
             </a:r>
           </a:p>

--- a/Anime Rank.pptx
+++ b/Anime Rank.pptx
@@ -210,7 +210,7 @@
           <a:p>
             <a:fld id="{A9F313E7-B100-49D3-B164-D60925348037}" type="datetimeFigureOut">
               <a:rPr lang="en-US" smtClean="0"/>
-              <a:t>12/1/2023</a:t>
+              <a:t>1/7/2024</a:t>
             </a:fld>
             <a:endParaRPr lang="en-US"/>
           </a:p>
@@ -935,7 +935,7 @@
           <a:p>
             <a:fld id="{B20D01C1-04BE-4996-AB3B-C87F51C2A1D7}" type="datetimeFigureOut">
               <a:rPr lang="en-US" smtClean="0"/>
-              <a:t>12/1/2023</a:t>
+              <a:t>1/7/2024</a:t>
             </a:fld>
             <a:endParaRPr lang="en-US"/>
           </a:p>
@@ -1103,7 +1103,7 @@
           <a:p>
             <a:fld id="{B20D01C1-04BE-4996-AB3B-C87F51C2A1D7}" type="datetimeFigureOut">
               <a:rPr lang="en-US" smtClean="0"/>
-              <a:t>12/1/2023</a:t>
+              <a:t>1/7/2024</a:t>
             </a:fld>
             <a:endParaRPr lang="en-US"/>
           </a:p>
@@ -1281,7 +1281,7 @@
           <a:p>
             <a:fld id="{B20D01C1-04BE-4996-AB3B-C87F51C2A1D7}" type="datetimeFigureOut">
               <a:rPr lang="en-US" smtClean="0"/>
-              <a:t>12/1/2023</a:t>
+              <a:t>1/7/2024</a:t>
             </a:fld>
             <a:endParaRPr lang="en-US"/>
           </a:p>
@@ -1541,7 +1541,7 @@
           <a:p>
             <a:fld id="{B20D01C1-04BE-4996-AB3B-C87F51C2A1D7}" type="datetimeFigureOut">
               <a:rPr lang="en-US" smtClean="0"/>
-              <a:t>12/1/2023</a:t>
+              <a:t>1/7/2024</a:t>
             </a:fld>
             <a:endParaRPr lang="en-US"/>
           </a:p>
@@ -1786,7 +1786,7 @@
           <a:p>
             <a:fld id="{B20D01C1-04BE-4996-AB3B-C87F51C2A1D7}" type="datetimeFigureOut">
               <a:rPr lang="en-US" smtClean="0"/>
-              <a:t>12/1/2023</a:t>
+              <a:t>1/7/2024</a:t>
             </a:fld>
             <a:endParaRPr lang="en-US"/>
           </a:p>
@@ -2071,7 +2071,7 @@
           <a:p>
             <a:fld id="{B20D01C1-04BE-4996-AB3B-C87F51C2A1D7}" type="datetimeFigureOut">
               <a:rPr lang="en-US" smtClean="0"/>
-              <a:t>12/1/2023</a:t>
+              <a:t>1/7/2024</a:t>
             </a:fld>
             <a:endParaRPr lang="en-US"/>
           </a:p>
@@ -2490,7 +2490,7 @@
           <a:p>
             <a:fld id="{B20D01C1-04BE-4996-AB3B-C87F51C2A1D7}" type="datetimeFigureOut">
               <a:rPr lang="en-US" smtClean="0"/>
-              <a:t>12/1/2023</a:t>
+              <a:t>1/7/2024</a:t>
             </a:fld>
             <a:endParaRPr lang="en-US"/>
           </a:p>
@@ -2625,7 +2625,7 @@
           <a:p>
             <a:fld id="{B20D01C1-04BE-4996-AB3B-C87F51C2A1D7}" type="datetimeFigureOut">
               <a:rPr lang="en-US" smtClean="0"/>
-              <a:t>12/1/2023</a:t>
+              <a:t>1/7/2024</a:t>
             </a:fld>
             <a:endParaRPr lang="en-US"/>
           </a:p>
@@ -2720,7 +2720,7 @@
           <a:p>
             <a:fld id="{B20D01C1-04BE-4996-AB3B-C87F51C2A1D7}" type="datetimeFigureOut">
               <a:rPr lang="en-US" smtClean="0"/>
-              <a:t>12/1/2023</a:t>
+              <a:t>1/7/2024</a:t>
             </a:fld>
             <a:endParaRPr lang="en-US"/>
           </a:p>
@@ -2995,7 +2995,7 @@
           <a:p>
             <a:fld id="{B20D01C1-04BE-4996-AB3B-C87F51C2A1D7}" type="datetimeFigureOut">
               <a:rPr lang="en-US" smtClean="0"/>
-              <a:t>12/1/2023</a:t>
+              <a:t>1/7/2024</a:t>
             </a:fld>
             <a:endParaRPr lang="en-US"/>
           </a:p>
@@ -3250,7 +3250,7 @@
           <a:p>
             <a:fld id="{B20D01C1-04BE-4996-AB3B-C87F51C2A1D7}" type="datetimeFigureOut">
               <a:rPr lang="en-US" smtClean="0"/>
-              <a:t>12/1/2023</a:t>
+              <a:t>1/7/2024</a:t>
             </a:fld>
             <a:endParaRPr lang="en-US"/>
           </a:p>
@@ -3461,7 +3461,7 @@
           <a:p>
             <a:fld id="{B20D01C1-04BE-4996-AB3B-C87F51C2A1D7}" type="datetimeFigureOut">
               <a:rPr lang="en-US" smtClean="0"/>
-              <a:t>12/1/2023</a:t>
+              <a:t>1/7/2024</a:t>
             </a:fld>
             <a:endParaRPr lang="en-US"/>
           </a:p>
@@ -8678,8 +8678,8 @@
         </p:nvSpPr>
         <p:spPr>
           <a:xfrm>
-            <a:off x="6771193" y="2238471"/>
-            <a:ext cx="1836738" cy="342900"/>
+            <a:off x="6765489" y="2226952"/>
+            <a:ext cx="1842442" cy="354419"/>
           </a:xfrm>
           <a:prstGeom prst="roundRect">
             <a:avLst/>
@@ -8714,14 +8714,20 @@
           <a:lstStyle/>
           <a:p>
             <a:r>
-              <a:rPr lang="en-US" sz="1270" dirty="0">
+              <a:rPr lang="en-US" sz="1200" b="1" dirty="0">
                 <a:solidFill>
                   <a:schemeClr val="tx1"/>
                 </a:solidFill>
                 <a:latin typeface="Consolas" panose="020B0609020204030204" pitchFamily="49" charset="0"/>
               </a:rPr>
-              <a:t>Hell’s Paradise</a:t>
-            </a:r>
+              <a:t>Hell’s Paradise (70.24%)</a:t>
+            </a:r>
+            <a:endParaRPr lang="en-US" sz="1200" dirty="0">
+              <a:solidFill>
+                <a:schemeClr val="tx1"/>
+              </a:solidFill>
+              <a:latin typeface="Consolas" panose="020B0609020204030204" pitchFamily="49" charset="0"/>
+            </a:endParaRPr>
           </a:p>
         </p:txBody>
       </p:sp>
@@ -8775,13 +8781,13 @@
           <a:lstStyle/>
           <a:p>
             <a:r>
-              <a:rPr lang="en-US" sz="1300" dirty="0">
+              <a:rPr lang="en-US" sz="1200" dirty="0">
                 <a:solidFill>
                   <a:schemeClr val="tx1"/>
                 </a:solidFill>
                 <a:latin typeface="Consolas" panose="020B0609020204030204" pitchFamily="49" charset="0"/>
               </a:rPr>
-              <a:t>Kuma</a:t>
+              <a:t>Kuma (29.76%)</a:t>
             </a:r>
           </a:p>
         </p:txBody>
@@ -8804,8 +8810,8 @@
         </p:nvCxnSpPr>
         <p:spPr>
           <a:xfrm rot="16200000" flipV="1">
-            <a:off x="6824927" y="1373835"/>
-            <a:ext cx="523404" cy="1205867"/>
+            <a:off x="6829261" y="1369502"/>
+            <a:ext cx="511885" cy="1203015"/>
           </a:xfrm>
           <a:prstGeom prst="bentConnector2">
             <a:avLst/>
@@ -8853,7 +8859,7 @@
         <p:spPr>
           <a:xfrm flipV="1">
             <a:off x="6483695" y="2581371"/>
-            <a:ext cx="1205867" cy="523404"/>
+            <a:ext cx="1203015" cy="523404"/>
           </a:xfrm>
           <a:prstGeom prst="bentConnector2">
             <a:avLst/>
@@ -9029,10 +9035,22 @@
           <a:lstStyle/>
           <a:p>
             <a:pPr algn="ctr"/>
-            <a:endParaRPr lang="en-US" sz="1600">
+            <a:r>
+              <a:rPr lang="en-US" sz="1400" b="1" dirty="0">
+                <a:solidFill>
+                  <a:schemeClr val="tx1"/>
+                </a:solidFill>
+                <a:latin typeface="Cascadia Code" panose="020B0609020000020004" pitchFamily="49" charset="0"/>
+                <a:cs typeface="Cascadia Code" panose="020B0609020000020004" pitchFamily="49" charset="0"/>
+              </a:rPr>
+              <a:t>Hell’s Paradise</a:t>
+            </a:r>
+            <a:endParaRPr lang="en-US" sz="1400" dirty="0">
               <a:solidFill>
                 <a:schemeClr val="tx1"/>
               </a:solidFill>
+              <a:latin typeface="Cascadia Code" panose="020B0609020000020004" pitchFamily="49" charset="0"/>
+              <a:cs typeface="Cascadia Code" panose="020B0609020000020004" pitchFamily="49" charset="0"/>
             </a:endParaRPr>
           </a:p>
         </p:txBody>
@@ -9105,8 +9123,8 @@
         </p:nvCxnSpPr>
         <p:spPr>
           <a:xfrm rot="10800000">
-            <a:off x="8607931" y="2409922"/>
-            <a:ext cx="320844" cy="1389707"/>
+            <a:off x="8607931" y="2404162"/>
+            <a:ext cx="320844" cy="1395466"/>
           </a:xfrm>
           <a:prstGeom prst="bentConnector3">
             <a:avLst>
@@ -13682,11 +13700,22 @@
           <a:lstStyle/>
           <a:p>
             <a:pPr algn="ctr"/>
-            <a:endParaRPr lang="en-US" sz="1600">
-              <a:solidFill>
-                <a:schemeClr val="tx1"/>
-              </a:solidFill>
-            </a:endParaRPr>
+            <a:r>
+              <a:rPr lang="en-US" sz="1600" b="1" dirty="0" err="1">
+                <a:solidFill>
+                  <a:schemeClr val="tx1"/>
+                </a:solidFill>
+              </a:rPr>
+              <a:t>Oshi</a:t>
+            </a:r>
+            <a:r>
+              <a:rPr lang="en-US" sz="1600" b="1" dirty="0">
+                <a:solidFill>
+                  <a:schemeClr val="tx1"/>
+                </a:solidFill>
+              </a:rPr>
+              <a:t> No Ko (8.59%)</a:t>
+            </a:r>
           </a:p>
         </p:txBody>
       </p:sp>
